--- a/RNN, LSTM, Attention.pptx
+++ b/RNN, LSTM, Attention.pptx
@@ -20,7 +20,10 @@
     <p:sldId id="270" r:id="rId14"/>
     <p:sldId id="263" r:id="rId15"/>
     <p:sldId id="271" r:id="rId16"/>
-    <p:sldId id="264" r:id="rId17"/>
+    <p:sldId id="272" r:id="rId17"/>
+    <p:sldId id="264" r:id="rId18"/>
+    <p:sldId id="273" r:id="rId19"/>
+    <p:sldId id="274" r:id="rId20"/>
   </p:sldIdLst>
   <p:sldSz cx="9144000" cy="6858000" type="screen4x3"/>
   <p:notesSz cx="6858000" cy="9144000"/>
@@ -747,7 +750,7 @@
           <a:p>
             <a:fld id="{6F28E6AC-4D29-4AD6-BF53-C371E01B36E1}" type="datetimeFigureOut">
               <a:rPr lang="fr-FR" smtClean="0"/>
-              <a:t>27/10/2020</a:t>
+              <a:t>28/10/2020</a:t>
             </a:fld>
             <a:endParaRPr lang="fr-FR"/>
           </a:p>
@@ -943,7 +946,7 @@
           <a:p>
             <a:fld id="{6F28E6AC-4D29-4AD6-BF53-C371E01B36E1}" type="datetimeFigureOut">
               <a:rPr lang="fr-FR" smtClean="0"/>
-              <a:t>27/10/2020</a:t>
+              <a:t>28/10/2020</a:t>
             </a:fld>
             <a:endParaRPr lang="fr-FR"/>
           </a:p>
@@ -1128,7 +1131,7 @@
           <a:p>
             <a:fld id="{6F28E6AC-4D29-4AD6-BF53-C371E01B36E1}" type="datetimeFigureOut">
               <a:rPr lang="fr-FR" smtClean="0"/>
-              <a:t>27/10/2020</a:t>
+              <a:t>28/10/2020</a:t>
             </a:fld>
             <a:endParaRPr lang="fr-FR"/>
           </a:p>
@@ -1278,7 +1281,7 @@
           <a:p>
             <a:fld id="{6F28E6AC-4D29-4AD6-BF53-C371E01B36E1}" type="datetimeFigureOut">
               <a:rPr lang="fr-FR" smtClean="0"/>
-              <a:t>27/10/2020</a:t>
+              <a:t>28/10/2020</a:t>
             </a:fld>
             <a:endParaRPr lang="fr-FR"/>
           </a:p>
@@ -1533,7 +1536,7 @@
           <a:p>
             <a:fld id="{6F28E6AC-4D29-4AD6-BF53-C371E01B36E1}" type="datetimeFigureOut">
               <a:rPr lang="fr-FR" smtClean="0"/>
-              <a:t>27/10/2020</a:t>
+              <a:t>28/10/2020</a:t>
             </a:fld>
             <a:endParaRPr lang="fr-FR"/>
           </a:p>
@@ -1942,7 +1945,7 @@
           <a:p>
             <a:fld id="{6F28E6AC-4D29-4AD6-BF53-C371E01B36E1}" type="datetimeFigureOut">
               <a:rPr lang="fr-FR" smtClean="0"/>
-              <a:t>27/10/2020</a:t>
+              <a:t>28/10/2020</a:t>
             </a:fld>
             <a:endParaRPr lang="fr-FR"/>
           </a:p>
@@ -2388,7 +2391,7 @@
           <a:p>
             <a:fld id="{6F28E6AC-4D29-4AD6-BF53-C371E01B36E1}" type="datetimeFigureOut">
               <a:rPr lang="fr-FR" smtClean="0"/>
-              <a:t>27/10/2020</a:t>
+              <a:t>28/10/2020</a:t>
             </a:fld>
             <a:endParaRPr lang="fr-FR"/>
           </a:p>
@@ -2489,7 +2492,7 @@
           <a:p>
             <a:fld id="{6F28E6AC-4D29-4AD6-BF53-C371E01B36E1}" type="datetimeFigureOut">
               <a:rPr lang="fr-FR" smtClean="0"/>
-              <a:t>27/10/2020</a:t>
+              <a:t>28/10/2020</a:t>
             </a:fld>
             <a:endParaRPr lang="fr-FR"/>
           </a:p>
@@ -2610,7 +2613,7 @@
           <a:p>
             <a:fld id="{6F28E6AC-4D29-4AD6-BF53-C371E01B36E1}" type="datetimeFigureOut">
               <a:rPr lang="fr-FR" smtClean="0"/>
-              <a:t>27/10/2020</a:t>
+              <a:t>28/10/2020</a:t>
             </a:fld>
             <a:endParaRPr lang="fr-FR"/>
           </a:p>
@@ -2884,7 +2887,7 @@
           <a:p>
             <a:fld id="{6F28E6AC-4D29-4AD6-BF53-C371E01B36E1}" type="datetimeFigureOut">
               <a:rPr lang="fr-FR" smtClean="0"/>
-              <a:t>27/10/2020</a:t>
+              <a:t>28/10/2020</a:t>
             </a:fld>
             <a:endParaRPr lang="fr-FR"/>
           </a:p>
@@ -3089,7 +3092,7 @@
           <a:p>
             <a:fld id="{6F28E6AC-4D29-4AD6-BF53-C371E01B36E1}" type="datetimeFigureOut">
               <a:rPr lang="fr-FR" smtClean="0"/>
-              <a:t>27/10/2020</a:t>
+              <a:t>28/10/2020</a:t>
             </a:fld>
             <a:endParaRPr lang="fr-FR"/>
           </a:p>
@@ -4198,7 +4201,7 @@
           <a:p>
             <a:fld id="{6F28E6AC-4D29-4AD6-BF53-C371E01B36E1}" type="datetimeFigureOut">
               <a:rPr lang="fr-FR" smtClean="0"/>
-              <a:t>27/10/2020</a:t>
+              <a:t>28/10/2020</a:t>
             </a:fld>
             <a:endParaRPr lang="fr-FR"/>
           </a:p>
@@ -6353,7 +6356,170 @@
           <a:bodyPr/>
           <a:lstStyle/>
           <a:p>
-            <a:endParaRPr lang="fr-FR"/>
+            <a:r>
+              <a:rPr lang="en-US" dirty="0" smtClean="0"/>
+              <a:t>Complex mean-looking equations but the idea is simple : did you get it ?</a:t>
+            </a:r>
+          </a:p>
+          <a:p>
+            <a:pPr marL="109728" indent="0">
+              <a:buNone/>
+            </a:pPr>
+            <a:endParaRPr lang="en-US" dirty="0" smtClean="0"/>
+          </a:p>
+          <a:p>
+            <a:r>
+              <a:rPr lang="en-US" dirty="0" smtClean="0"/>
+              <a:t>Can be used :</a:t>
+            </a:r>
+          </a:p>
+          <a:p>
+            <a:pPr lvl="1"/>
+            <a:r>
+              <a:rPr lang="en-US" dirty="0" smtClean="0"/>
+              <a:t>Many-to-many (as in seq2seq)</a:t>
+            </a:r>
+          </a:p>
+          <a:p>
+            <a:pPr lvl="1"/>
+            <a:r>
+              <a:rPr lang="en-US" dirty="0" smtClean="0"/>
+              <a:t>Many-to-one (as we’ll do in TP)</a:t>
+            </a:r>
+          </a:p>
+          <a:p>
+            <a:endParaRPr lang="en-US" dirty="0"/>
+          </a:p>
+          <a:p>
+            <a:r>
+              <a:rPr lang="en-US" dirty="0" smtClean="0"/>
+              <a:t>Many-to-one : same attention, just one prediction to make, so less hassle about training and more focus on the mechanism.</a:t>
+            </a:r>
+            <a:endParaRPr lang="en-US" dirty="0"/>
+          </a:p>
+        </p:txBody>
+      </p:sp>
+      <p:sp>
+        <p:nvSpPr>
+          <p:cNvPr id="3" name="Titre 2"/>
+          <p:cNvSpPr>
+            <a:spLocks noGrp="1"/>
+          </p:cNvSpPr>
+          <p:nvPr>
+            <p:ph type="title"/>
+          </p:nvPr>
+        </p:nvSpPr>
+        <p:spPr/>
+        <p:txBody>
+          <a:bodyPr/>
+          <a:lstStyle/>
+          <a:p>
+            <a:r>
+              <a:rPr lang="en-US" dirty="0" smtClean="0"/>
+              <a:t>Attention: do not fear</a:t>
+            </a:r>
+            <a:endParaRPr lang="fr-FR" dirty="0"/>
+          </a:p>
+        </p:txBody>
+      </p:sp>
+    </p:spTree>
+    <p:extLst>
+      <p:ext uri="{BB962C8B-B14F-4D97-AF65-F5344CB8AC3E}">
+        <p14:creationId xmlns:p14="http://schemas.microsoft.com/office/powerpoint/2010/main" val="3523345372"/>
+      </p:ext>
+    </p:extLst>
+  </p:cSld>
+  <p:clrMapOvr>
+    <a:masterClrMapping/>
+  </p:clrMapOvr>
+</p:sld>
+</file>
+
+<file path=ppt/slides/slide17.xml><?xml version="1.0" encoding="utf-8"?>
+<p:sld xmlns:a="http://schemas.openxmlformats.org/drawingml/2006/main" xmlns:r="http://schemas.openxmlformats.org/officeDocument/2006/relationships" xmlns:p="http://schemas.openxmlformats.org/presentationml/2006/main">
+  <p:cSld>
+    <p:spTree>
+      <p:nvGrpSpPr>
+        <p:cNvPr id="1" name=""/>
+        <p:cNvGrpSpPr/>
+        <p:nvPr/>
+      </p:nvGrpSpPr>
+      <p:grpSpPr>
+        <a:xfrm>
+          <a:off x="0" y="0"/>
+          <a:ext cx="0" cy="0"/>
+          <a:chOff x="0" y="0"/>
+          <a:chExt cx="0" cy="0"/>
+        </a:xfrm>
+      </p:grpSpPr>
+      <p:sp>
+        <p:nvSpPr>
+          <p:cNvPr id="2" name="Espace réservé du contenu 1"/>
+          <p:cNvSpPr>
+            <a:spLocks noGrp="1"/>
+          </p:cNvSpPr>
+          <p:nvPr>
+            <p:ph idx="1"/>
+          </p:nvPr>
+        </p:nvSpPr>
+        <p:spPr>
+          <a:xfrm>
+            <a:off x="457200" y="1481329"/>
+            <a:ext cx="8229600" cy="4539959"/>
+          </a:xfrm>
+        </p:spPr>
+        <p:txBody>
+          <a:bodyPr>
+            <a:normAutofit/>
+          </a:bodyPr>
+          <a:lstStyle/>
+          <a:p>
+            <a:r>
+              <a:rPr lang="en-US" dirty="0" smtClean="0"/>
+              <a:t>Encode words in a numerical format</a:t>
+            </a:r>
+          </a:p>
+          <a:p>
+            <a:pPr lvl="1"/>
+            <a:r>
+              <a:rPr lang="en-US" dirty="0" smtClean="0"/>
+              <a:t>One-hot-encoding</a:t>
+            </a:r>
+          </a:p>
+          <a:p>
+            <a:pPr lvl="1"/>
+            <a:r>
+              <a:rPr lang="en-US" dirty="0" smtClean="0"/>
+              <a:t>Embedding</a:t>
+            </a:r>
+          </a:p>
+          <a:p>
+            <a:pPr lvl="1"/>
+            <a:endParaRPr lang="en-US" dirty="0"/>
+          </a:p>
+          <a:p>
+            <a:pPr lvl="1"/>
+            <a:endParaRPr lang="en-US" dirty="0" smtClean="0"/>
+          </a:p>
+          <a:p>
+            <a:r>
+              <a:rPr lang="en-US" dirty="0" smtClean="0"/>
+              <a:t>OHE is a vector of the size of the vocabulary, with 1 if it is that word and 0 otherwise</a:t>
+            </a:r>
+          </a:p>
+          <a:p>
+            <a:pPr lvl="1"/>
+            <a:r>
+              <a:rPr lang="en-US" dirty="0" smtClean="0"/>
+              <a:t>Knowing which word of the vocab is used based on its “index”, almost</a:t>
+            </a:r>
+          </a:p>
+          <a:p>
+            <a:pPr lvl="1"/>
+            <a:endParaRPr lang="en-US" dirty="0"/>
+          </a:p>
+          <a:p>
+            <a:endParaRPr lang="en-US" dirty="0"/>
           </a:p>
         </p:txBody>
       </p:sp>
@@ -6399,6 +6565,2593 @@
       </p:par>
     </p:tnLst>
   </p:timing>
+</p:sld>
+</file>
+
+<file path=ppt/slides/slide18.xml><?xml version="1.0" encoding="utf-8"?>
+<p:sld xmlns:a="http://schemas.openxmlformats.org/drawingml/2006/main" xmlns:r="http://schemas.openxmlformats.org/officeDocument/2006/relationships" xmlns:p="http://schemas.openxmlformats.org/presentationml/2006/main">
+  <p:cSld>
+    <p:spTree>
+      <p:nvGrpSpPr>
+        <p:cNvPr id="1" name=""/>
+        <p:cNvGrpSpPr/>
+        <p:nvPr/>
+      </p:nvGrpSpPr>
+      <p:grpSpPr>
+        <a:xfrm>
+          <a:off x="0" y="0"/>
+          <a:ext cx="0" cy="0"/>
+          <a:chOff x="0" y="0"/>
+          <a:chExt cx="0" cy="0"/>
+        </a:xfrm>
+      </p:grpSpPr>
+      <p:sp>
+        <p:nvSpPr>
+          <p:cNvPr id="2" name="Espace réservé du contenu 1"/>
+          <p:cNvSpPr>
+            <a:spLocks noGrp="1"/>
+          </p:cNvSpPr>
+          <p:nvPr>
+            <p:ph idx="1"/>
+          </p:nvPr>
+        </p:nvSpPr>
+        <p:spPr/>
+        <p:txBody>
+          <a:bodyPr/>
+          <a:lstStyle/>
+          <a:p>
+            <a:r>
+              <a:rPr lang="en-US" dirty="0" smtClean="0"/>
+              <a:t>When the size of the vocabulary goes up (10 000, 50 000 words), what happens ? </a:t>
+            </a:r>
+          </a:p>
+          <a:p>
+            <a:r>
+              <a:rPr lang="en-US" dirty="0" smtClean="0"/>
+              <a:t>No putting the word in its context</a:t>
+            </a:r>
+            <a:endParaRPr lang="fr-FR" dirty="0"/>
+          </a:p>
+        </p:txBody>
+      </p:sp>
+      <p:sp>
+        <p:nvSpPr>
+          <p:cNvPr id="3" name="Titre 2"/>
+          <p:cNvSpPr>
+            <a:spLocks noGrp="1"/>
+          </p:cNvSpPr>
+          <p:nvPr>
+            <p:ph type="title"/>
+          </p:nvPr>
+        </p:nvSpPr>
+        <p:spPr/>
+        <p:txBody>
+          <a:bodyPr/>
+          <a:lstStyle/>
+          <a:p>
+            <a:r>
+              <a:rPr lang="en-US" dirty="0" smtClean="0"/>
+              <a:t>OHE : specificities</a:t>
+            </a:r>
+            <a:endParaRPr lang="fr-FR" dirty="0"/>
+          </a:p>
+        </p:txBody>
+      </p:sp>
+      <p:graphicFrame>
+        <p:nvGraphicFramePr>
+          <p:cNvPr id="4" name="Tableau 3"/>
+          <p:cNvGraphicFramePr>
+            <a:graphicFrameLocks noGrp="1"/>
+          </p:cNvGraphicFramePr>
+          <p:nvPr>
+            <p:extLst>
+              <p:ext uri="{D42A27DB-BD31-4B8C-83A1-F6EECF244321}">
+                <p14:modId xmlns:p14="http://schemas.microsoft.com/office/powerpoint/2010/main" val="1645264570"/>
+              </p:ext>
+            </p:extLst>
+          </p:nvPr>
+        </p:nvGraphicFramePr>
+        <p:xfrm>
+          <a:off x="971600" y="3140968"/>
+          <a:ext cx="6744072" cy="3474720"/>
+        </p:xfrm>
+        <a:graphic>
+          <a:graphicData uri="http://schemas.openxmlformats.org/drawingml/2006/table">
+            <a:tbl>
+              <a:tblPr firstRow="1" bandRow="1">
+                <a:tableStyleId>{5940675A-B579-460E-94D1-54222C63F5DA}</a:tableStyleId>
+              </a:tblPr>
+              <a:tblGrid>
+                <a:gridCol w="843009"/>
+                <a:gridCol w="843009"/>
+                <a:gridCol w="843009"/>
+                <a:gridCol w="843009"/>
+                <a:gridCol w="843009"/>
+                <a:gridCol w="843009"/>
+                <a:gridCol w="843009"/>
+                <a:gridCol w="843009"/>
+              </a:tblGrid>
+              <a:tr h="327861">
+                <a:tc>
+                  <a:txBody>
+                    <a:bodyPr/>
+                    <a:lstStyle/>
+                    <a:p>
+                      <a:r>
+                        <a:rPr lang="en-US" dirty="0" smtClean="0"/>
+                        <a:t>I</a:t>
+                      </a:r>
+                      <a:endParaRPr lang="fr-FR" dirty="0"/>
+                    </a:p>
+                  </a:txBody>
+                  <a:tcPr>
+                    <a:solidFill>
+                      <a:schemeClr val="bg2"/>
+                    </a:solidFill>
+                  </a:tcPr>
+                </a:tc>
+                <a:tc>
+                  <a:txBody>
+                    <a:bodyPr/>
+                    <a:lstStyle/>
+                    <a:p>
+                      <a:r>
+                        <a:rPr lang="en-US" dirty="0" smtClean="0"/>
+                        <a:t>1</a:t>
+                      </a:r>
+                      <a:endParaRPr lang="fr-FR" dirty="0"/>
+                    </a:p>
+                  </a:txBody>
+                  <a:tcPr/>
+                </a:tc>
+                <a:tc>
+                  <a:txBody>
+                    <a:bodyPr/>
+                    <a:lstStyle/>
+                    <a:p>
+                      <a:r>
+                        <a:rPr lang="en-US" dirty="0" smtClean="0"/>
+                        <a:t>0</a:t>
+                      </a:r>
+                      <a:endParaRPr lang="fr-FR" dirty="0"/>
+                    </a:p>
+                  </a:txBody>
+                  <a:tcPr/>
+                </a:tc>
+                <a:tc>
+                  <a:txBody>
+                    <a:bodyPr/>
+                    <a:lstStyle/>
+                    <a:p>
+                      <a:r>
+                        <a:rPr lang="en-US" dirty="0" smtClean="0"/>
+                        <a:t>0</a:t>
+                      </a:r>
+                      <a:endParaRPr lang="fr-FR" dirty="0"/>
+                    </a:p>
+                  </a:txBody>
+                  <a:tcPr/>
+                </a:tc>
+                <a:tc>
+                  <a:txBody>
+                    <a:bodyPr/>
+                    <a:lstStyle/>
+                    <a:p>
+                      <a:r>
+                        <a:rPr lang="en-US" dirty="0" smtClean="0"/>
+                        <a:t>0</a:t>
+                      </a:r>
+                      <a:endParaRPr lang="fr-FR" dirty="0"/>
+                    </a:p>
+                  </a:txBody>
+                  <a:tcPr/>
+                </a:tc>
+                <a:tc>
+                  <a:txBody>
+                    <a:bodyPr/>
+                    <a:lstStyle/>
+                    <a:p>
+                      <a:r>
+                        <a:rPr lang="en-US" dirty="0" smtClean="0"/>
+                        <a:t>0</a:t>
+                      </a:r>
+                      <a:endParaRPr lang="fr-FR" dirty="0"/>
+                    </a:p>
+                  </a:txBody>
+                  <a:tcPr/>
+                </a:tc>
+                <a:tc>
+                  <a:txBody>
+                    <a:bodyPr/>
+                    <a:lstStyle/>
+                    <a:p>
+                      <a:r>
+                        <a:rPr lang="en-US" dirty="0" smtClean="0"/>
+                        <a:t>0</a:t>
+                      </a:r>
+                      <a:endParaRPr lang="fr-FR" dirty="0"/>
+                    </a:p>
+                  </a:txBody>
+                  <a:tcPr/>
+                </a:tc>
+                <a:tc>
+                  <a:txBody>
+                    <a:bodyPr/>
+                    <a:lstStyle/>
+                    <a:p>
+                      <a:r>
+                        <a:rPr lang="en-US" dirty="0" smtClean="0"/>
+                        <a:t>0</a:t>
+                      </a:r>
+                      <a:endParaRPr lang="fr-FR" dirty="0"/>
+                    </a:p>
+                  </a:txBody>
+                  <a:tcPr/>
+                </a:tc>
+              </a:tr>
+              <a:tr h="327861">
+                <a:tc>
+                  <a:txBody>
+                    <a:bodyPr/>
+                    <a:lstStyle/>
+                    <a:p>
+                      <a:r>
+                        <a:rPr lang="en-US" dirty="0" smtClean="0"/>
+                        <a:t>like</a:t>
+                      </a:r>
+                    </a:p>
+                  </a:txBody>
+                  <a:tcPr>
+                    <a:solidFill>
+                      <a:schemeClr val="bg2"/>
+                    </a:solidFill>
+                  </a:tcPr>
+                </a:tc>
+                <a:tc>
+                  <a:txBody>
+                    <a:bodyPr/>
+                    <a:lstStyle/>
+                    <a:p>
+                      <a:r>
+                        <a:rPr lang="en-US" dirty="0" smtClean="0"/>
+                        <a:t>0</a:t>
+                      </a:r>
+                      <a:endParaRPr lang="fr-FR" dirty="0"/>
+                    </a:p>
+                  </a:txBody>
+                  <a:tcPr/>
+                </a:tc>
+                <a:tc>
+                  <a:txBody>
+                    <a:bodyPr/>
+                    <a:lstStyle/>
+                    <a:p>
+                      <a:r>
+                        <a:rPr lang="en-US" dirty="0" smtClean="0"/>
+                        <a:t>1</a:t>
+                      </a:r>
+                      <a:endParaRPr lang="fr-FR" dirty="0"/>
+                    </a:p>
+                  </a:txBody>
+                  <a:tcPr/>
+                </a:tc>
+                <a:tc>
+                  <a:txBody>
+                    <a:bodyPr/>
+                    <a:lstStyle/>
+                    <a:p>
+                      <a:r>
+                        <a:rPr lang="en-US" dirty="0" smtClean="0"/>
+                        <a:t>0</a:t>
+                      </a:r>
+                      <a:endParaRPr lang="fr-FR" dirty="0"/>
+                    </a:p>
+                  </a:txBody>
+                  <a:tcPr/>
+                </a:tc>
+                <a:tc>
+                  <a:txBody>
+                    <a:bodyPr/>
+                    <a:lstStyle/>
+                    <a:p>
+                      <a:r>
+                        <a:rPr lang="en-US" dirty="0" smtClean="0"/>
+                        <a:t>0</a:t>
+                      </a:r>
+                      <a:endParaRPr lang="fr-FR" dirty="0"/>
+                    </a:p>
+                  </a:txBody>
+                  <a:tcPr/>
+                </a:tc>
+                <a:tc>
+                  <a:txBody>
+                    <a:bodyPr/>
+                    <a:lstStyle/>
+                    <a:p>
+                      <a:r>
+                        <a:rPr lang="en-US" dirty="0" smtClean="0"/>
+                        <a:t>0</a:t>
+                      </a:r>
+                      <a:endParaRPr lang="fr-FR" dirty="0"/>
+                    </a:p>
+                  </a:txBody>
+                  <a:tcPr/>
+                </a:tc>
+                <a:tc>
+                  <a:txBody>
+                    <a:bodyPr/>
+                    <a:lstStyle/>
+                    <a:p>
+                      <a:r>
+                        <a:rPr lang="en-US" dirty="0" smtClean="0"/>
+                        <a:t>0</a:t>
+                      </a:r>
+                      <a:endParaRPr lang="fr-FR" dirty="0"/>
+                    </a:p>
+                  </a:txBody>
+                  <a:tcPr/>
+                </a:tc>
+                <a:tc>
+                  <a:txBody>
+                    <a:bodyPr/>
+                    <a:lstStyle/>
+                    <a:p>
+                      <a:r>
+                        <a:rPr lang="en-US" dirty="0" smtClean="0"/>
+                        <a:t>0</a:t>
+                      </a:r>
+                      <a:endParaRPr lang="fr-FR" dirty="0"/>
+                    </a:p>
+                  </a:txBody>
+                  <a:tcPr/>
+                </a:tc>
+              </a:tr>
+              <a:tr h="573757">
+                <a:tc>
+                  <a:txBody>
+                    <a:bodyPr/>
+                    <a:lstStyle/>
+                    <a:p>
+                      <a:r>
+                        <a:rPr lang="en-US" dirty="0" smtClean="0"/>
+                        <a:t>mashed</a:t>
+                      </a:r>
+                      <a:endParaRPr lang="fr-FR" dirty="0"/>
+                    </a:p>
+                  </a:txBody>
+                  <a:tcPr>
+                    <a:solidFill>
+                      <a:schemeClr val="bg2"/>
+                    </a:solidFill>
+                  </a:tcPr>
+                </a:tc>
+                <a:tc>
+                  <a:txBody>
+                    <a:bodyPr/>
+                    <a:lstStyle/>
+                    <a:p>
+                      <a:r>
+                        <a:rPr lang="en-US" dirty="0" smtClean="0"/>
+                        <a:t>0</a:t>
+                      </a:r>
+                      <a:endParaRPr lang="fr-FR" dirty="0"/>
+                    </a:p>
+                  </a:txBody>
+                  <a:tcPr/>
+                </a:tc>
+                <a:tc>
+                  <a:txBody>
+                    <a:bodyPr/>
+                    <a:lstStyle/>
+                    <a:p>
+                      <a:r>
+                        <a:rPr lang="en-US" dirty="0" smtClean="0"/>
+                        <a:t>0</a:t>
+                      </a:r>
+                      <a:endParaRPr lang="fr-FR" dirty="0"/>
+                    </a:p>
+                  </a:txBody>
+                  <a:tcPr/>
+                </a:tc>
+                <a:tc>
+                  <a:txBody>
+                    <a:bodyPr/>
+                    <a:lstStyle/>
+                    <a:p>
+                      <a:r>
+                        <a:rPr lang="en-US" dirty="0" smtClean="0"/>
+                        <a:t>1</a:t>
+                      </a:r>
+                      <a:endParaRPr lang="fr-FR" dirty="0"/>
+                    </a:p>
+                  </a:txBody>
+                  <a:tcPr/>
+                </a:tc>
+                <a:tc>
+                  <a:txBody>
+                    <a:bodyPr/>
+                    <a:lstStyle/>
+                    <a:p>
+                      <a:r>
+                        <a:rPr lang="en-US" dirty="0" smtClean="0"/>
+                        <a:t>0</a:t>
+                      </a:r>
+                      <a:endParaRPr lang="fr-FR" dirty="0"/>
+                    </a:p>
+                  </a:txBody>
+                  <a:tcPr/>
+                </a:tc>
+                <a:tc>
+                  <a:txBody>
+                    <a:bodyPr/>
+                    <a:lstStyle/>
+                    <a:p>
+                      <a:r>
+                        <a:rPr lang="en-US" dirty="0" smtClean="0"/>
+                        <a:t>0</a:t>
+                      </a:r>
+                      <a:endParaRPr lang="fr-FR" dirty="0"/>
+                    </a:p>
+                  </a:txBody>
+                  <a:tcPr/>
+                </a:tc>
+                <a:tc>
+                  <a:txBody>
+                    <a:bodyPr/>
+                    <a:lstStyle/>
+                    <a:p>
+                      <a:r>
+                        <a:rPr lang="en-US" dirty="0" smtClean="0"/>
+                        <a:t>0</a:t>
+                      </a:r>
+                      <a:endParaRPr lang="fr-FR" dirty="0"/>
+                    </a:p>
+                  </a:txBody>
+                  <a:tcPr/>
+                </a:tc>
+                <a:tc>
+                  <a:txBody>
+                    <a:bodyPr/>
+                    <a:lstStyle/>
+                    <a:p>
+                      <a:r>
+                        <a:rPr lang="en-US" dirty="0" smtClean="0"/>
+                        <a:t>0</a:t>
+                      </a:r>
+                      <a:endParaRPr lang="fr-FR" dirty="0"/>
+                    </a:p>
+                  </a:txBody>
+                  <a:tcPr/>
+                </a:tc>
+              </a:tr>
+              <a:tr h="573757">
+                <a:tc>
+                  <a:txBody>
+                    <a:bodyPr/>
+                    <a:lstStyle/>
+                    <a:p>
+                      <a:r>
+                        <a:rPr lang="en-US" dirty="0" smtClean="0"/>
+                        <a:t>potatoes</a:t>
+                      </a:r>
+                      <a:endParaRPr lang="fr-FR" dirty="0"/>
+                    </a:p>
+                  </a:txBody>
+                  <a:tcPr>
+                    <a:solidFill>
+                      <a:schemeClr val="bg2"/>
+                    </a:solidFill>
+                  </a:tcPr>
+                </a:tc>
+                <a:tc>
+                  <a:txBody>
+                    <a:bodyPr/>
+                    <a:lstStyle/>
+                    <a:p>
+                      <a:r>
+                        <a:rPr lang="en-US" dirty="0" smtClean="0"/>
+                        <a:t>0</a:t>
+                      </a:r>
+                      <a:endParaRPr lang="fr-FR" dirty="0"/>
+                    </a:p>
+                  </a:txBody>
+                  <a:tcPr/>
+                </a:tc>
+                <a:tc>
+                  <a:txBody>
+                    <a:bodyPr/>
+                    <a:lstStyle/>
+                    <a:p>
+                      <a:r>
+                        <a:rPr lang="en-US" dirty="0" smtClean="0"/>
+                        <a:t>0</a:t>
+                      </a:r>
+                      <a:endParaRPr lang="fr-FR" dirty="0"/>
+                    </a:p>
+                  </a:txBody>
+                  <a:tcPr/>
+                </a:tc>
+                <a:tc>
+                  <a:txBody>
+                    <a:bodyPr/>
+                    <a:lstStyle/>
+                    <a:p>
+                      <a:r>
+                        <a:rPr lang="en-US" dirty="0" smtClean="0"/>
+                        <a:t>0</a:t>
+                      </a:r>
+                      <a:endParaRPr lang="fr-FR" dirty="0"/>
+                    </a:p>
+                  </a:txBody>
+                  <a:tcPr/>
+                </a:tc>
+                <a:tc>
+                  <a:txBody>
+                    <a:bodyPr/>
+                    <a:lstStyle/>
+                    <a:p>
+                      <a:r>
+                        <a:rPr lang="en-US" dirty="0" smtClean="0"/>
+                        <a:t>1</a:t>
+                      </a:r>
+                      <a:endParaRPr lang="fr-FR" dirty="0"/>
+                    </a:p>
+                  </a:txBody>
+                  <a:tcPr/>
+                </a:tc>
+                <a:tc>
+                  <a:txBody>
+                    <a:bodyPr/>
+                    <a:lstStyle/>
+                    <a:p>
+                      <a:r>
+                        <a:rPr lang="en-US" dirty="0" smtClean="0"/>
+                        <a:t>0</a:t>
+                      </a:r>
+                      <a:endParaRPr lang="fr-FR" dirty="0"/>
+                    </a:p>
+                  </a:txBody>
+                  <a:tcPr/>
+                </a:tc>
+                <a:tc>
+                  <a:txBody>
+                    <a:bodyPr/>
+                    <a:lstStyle/>
+                    <a:p>
+                      <a:r>
+                        <a:rPr lang="en-US" dirty="0" smtClean="0"/>
+                        <a:t>0</a:t>
+                      </a:r>
+                      <a:endParaRPr lang="fr-FR" dirty="0"/>
+                    </a:p>
+                  </a:txBody>
+                  <a:tcPr/>
+                </a:tc>
+                <a:tc>
+                  <a:txBody>
+                    <a:bodyPr/>
+                    <a:lstStyle/>
+                    <a:p>
+                      <a:r>
+                        <a:rPr lang="en-US" dirty="0" smtClean="0"/>
+                        <a:t>0</a:t>
+                      </a:r>
+                      <a:endParaRPr lang="fr-FR" dirty="0"/>
+                    </a:p>
+                  </a:txBody>
+                  <a:tcPr/>
+                </a:tc>
+              </a:tr>
+              <a:tr h="327861">
+                <a:tc>
+                  <a:txBody>
+                    <a:bodyPr/>
+                    <a:lstStyle/>
+                    <a:p>
+                      <a:r>
+                        <a:rPr lang="en-US" dirty="0" smtClean="0"/>
+                        <a:t>You</a:t>
+                      </a:r>
+                      <a:endParaRPr lang="fr-FR" dirty="0"/>
+                    </a:p>
+                  </a:txBody>
+                  <a:tcPr>
+                    <a:solidFill>
+                      <a:schemeClr val="bg2"/>
+                    </a:solidFill>
+                  </a:tcPr>
+                </a:tc>
+                <a:tc>
+                  <a:txBody>
+                    <a:bodyPr/>
+                    <a:lstStyle/>
+                    <a:p>
+                      <a:r>
+                        <a:rPr lang="en-US" dirty="0" smtClean="0"/>
+                        <a:t>0</a:t>
+                      </a:r>
+                      <a:endParaRPr lang="fr-FR" dirty="0"/>
+                    </a:p>
+                  </a:txBody>
+                  <a:tcPr/>
+                </a:tc>
+                <a:tc>
+                  <a:txBody>
+                    <a:bodyPr/>
+                    <a:lstStyle/>
+                    <a:p>
+                      <a:r>
+                        <a:rPr lang="en-US" dirty="0" smtClean="0"/>
+                        <a:t>0</a:t>
+                      </a:r>
+                      <a:endParaRPr lang="fr-FR" dirty="0"/>
+                    </a:p>
+                  </a:txBody>
+                  <a:tcPr/>
+                </a:tc>
+                <a:tc>
+                  <a:txBody>
+                    <a:bodyPr/>
+                    <a:lstStyle/>
+                    <a:p>
+                      <a:r>
+                        <a:rPr lang="en-US" dirty="0" smtClean="0"/>
+                        <a:t>0</a:t>
+                      </a:r>
+                      <a:endParaRPr lang="fr-FR" dirty="0"/>
+                    </a:p>
+                  </a:txBody>
+                  <a:tcPr/>
+                </a:tc>
+                <a:tc>
+                  <a:txBody>
+                    <a:bodyPr/>
+                    <a:lstStyle/>
+                    <a:p>
+                      <a:r>
+                        <a:rPr lang="en-US" dirty="0" smtClean="0"/>
+                        <a:t>0</a:t>
+                      </a:r>
+                      <a:endParaRPr lang="fr-FR" dirty="0"/>
+                    </a:p>
+                  </a:txBody>
+                  <a:tcPr/>
+                </a:tc>
+                <a:tc>
+                  <a:txBody>
+                    <a:bodyPr/>
+                    <a:lstStyle/>
+                    <a:p>
+                      <a:r>
+                        <a:rPr lang="en-US" dirty="0" smtClean="0"/>
+                        <a:t>1</a:t>
+                      </a:r>
+                      <a:endParaRPr lang="fr-FR" dirty="0"/>
+                    </a:p>
+                  </a:txBody>
+                  <a:tcPr/>
+                </a:tc>
+                <a:tc>
+                  <a:txBody>
+                    <a:bodyPr/>
+                    <a:lstStyle/>
+                    <a:p>
+                      <a:r>
+                        <a:rPr lang="en-US" dirty="0" smtClean="0"/>
+                        <a:t>0</a:t>
+                      </a:r>
+                      <a:endParaRPr lang="fr-FR" dirty="0"/>
+                    </a:p>
+                  </a:txBody>
+                  <a:tcPr/>
+                </a:tc>
+                <a:tc>
+                  <a:txBody>
+                    <a:bodyPr/>
+                    <a:lstStyle/>
+                    <a:p>
+                      <a:r>
+                        <a:rPr lang="en-US" dirty="0" smtClean="0"/>
+                        <a:t>0</a:t>
+                      </a:r>
+                      <a:endParaRPr lang="fr-FR" dirty="0"/>
+                    </a:p>
+                  </a:txBody>
+                  <a:tcPr/>
+                </a:tc>
+              </a:tr>
+              <a:tr h="327861">
+                <a:tc>
+                  <a:txBody>
+                    <a:bodyPr/>
+                    <a:lstStyle/>
+                    <a:p>
+                      <a:r>
+                        <a:rPr lang="en-US" dirty="0" smtClean="0"/>
+                        <a:t>like</a:t>
+                      </a:r>
+                      <a:endParaRPr lang="fr-FR" dirty="0"/>
+                    </a:p>
+                  </a:txBody>
+                  <a:tcPr>
+                    <a:solidFill>
+                      <a:schemeClr val="bg2"/>
+                    </a:solidFill>
+                  </a:tcPr>
+                </a:tc>
+                <a:tc>
+                  <a:txBody>
+                    <a:bodyPr/>
+                    <a:lstStyle/>
+                    <a:p>
+                      <a:r>
+                        <a:rPr lang="en-US" dirty="0" smtClean="0"/>
+                        <a:t>0</a:t>
+                      </a:r>
+                      <a:endParaRPr lang="fr-FR" dirty="0"/>
+                    </a:p>
+                  </a:txBody>
+                  <a:tcPr/>
+                </a:tc>
+                <a:tc>
+                  <a:txBody>
+                    <a:bodyPr/>
+                    <a:lstStyle/>
+                    <a:p>
+                      <a:r>
+                        <a:rPr lang="en-US" dirty="0" smtClean="0"/>
+                        <a:t>1</a:t>
+                      </a:r>
+                      <a:endParaRPr lang="fr-FR" dirty="0"/>
+                    </a:p>
+                  </a:txBody>
+                  <a:tcPr/>
+                </a:tc>
+                <a:tc>
+                  <a:txBody>
+                    <a:bodyPr/>
+                    <a:lstStyle/>
+                    <a:p>
+                      <a:r>
+                        <a:rPr lang="en-US" dirty="0" smtClean="0"/>
+                        <a:t>0</a:t>
+                      </a:r>
+                      <a:endParaRPr lang="fr-FR" dirty="0"/>
+                    </a:p>
+                  </a:txBody>
+                  <a:tcPr/>
+                </a:tc>
+                <a:tc>
+                  <a:txBody>
+                    <a:bodyPr/>
+                    <a:lstStyle/>
+                    <a:p>
+                      <a:r>
+                        <a:rPr lang="en-US" dirty="0" smtClean="0"/>
+                        <a:t>0</a:t>
+                      </a:r>
+                      <a:endParaRPr lang="fr-FR" dirty="0"/>
+                    </a:p>
+                  </a:txBody>
+                  <a:tcPr/>
+                </a:tc>
+                <a:tc>
+                  <a:txBody>
+                    <a:bodyPr/>
+                    <a:lstStyle/>
+                    <a:p>
+                      <a:r>
+                        <a:rPr lang="en-US" dirty="0" smtClean="0"/>
+                        <a:t>0</a:t>
+                      </a:r>
+                      <a:endParaRPr lang="fr-FR" dirty="0"/>
+                    </a:p>
+                  </a:txBody>
+                  <a:tcPr/>
+                </a:tc>
+                <a:tc>
+                  <a:txBody>
+                    <a:bodyPr/>
+                    <a:lstStyle/>
+                    <a:p>
+                      <a:r>
+                        <a:rPr lang="en-US" dirty="0" smtClean="0"/>
+                        <a:t>0</a:t>
+                      </a:r>
+                      <a:endParaRPr lang="fr-FR" dirty="0"/>
+                    </a:p>
+                  </a:txBody>
+                  <a:tcPr/>
+                </a:tc>
+                <a:tc>
+                  <a:txBody>
+                    <a:bodyPr/>
+                    <a:lstStyle/>
+                    <a:p>
+                      <a:r>
+                        <a:rPr lang="en-US" dirty="0" smtClean="0"/>
+                        <a:t>0</a:t>
+                      </a:r>
+                      <a:endParaRPr lang="fr-FR" dirty="0"/>
+                    </a:p>
+                  </a:txBody>
+                  <a:tcPr/>
+                </a:tc>
+              </a:tr>
+              <a:tr h="327861">
+                <a:tc>
+                  <a:txBody>
+                    <a:bodyPr/>
+                    <a:lstStyle/>
+                    <a:p>
+                      <a:r>
+                        <a:rPr lang="en-US" dirty="0" smtClean="0"/>
+                        <a:t>your</a:t>
+                      </a:r>
+                      <a:endParaRPr lang="fr-FR" dirty="0"/>
+                    </a:p>
+                  </a:txBody>
+                  <a:tcPr>
+                    <a:solidFill>
+                      <a:schemeClr val="bg2"/>
+                    </a:solidFill>
+                  </a:tcPr>
+                </a:tc>
+                <a:tc>
+                  <a:txBody>
+                    <a:bodyPr/>
+                    <a:lstStyle/>
+                    <a:p>
+                      <a:r>
+                        <a:rPr lang="en-US" dirty="0" smtClean="0"/>
+                        <a:t>0</a:t>
+                      </a:r>
+                      <a:endParaRPr lang="fr-FR" dirty="0"/>
+                    </a:p>
+                  </a:txBody>
+                  <a:tcPr/>
+                </a:tc>
+                <a:tc>
+                  <a:txBody>
+                    <a:bodyPr/>
+                    <a:lstStyle/>
+                    <a:p>
+                      <a:r>
+                        <a:rPr lang="en-US" dirty="0" smtClean="0"/>
+                        <a:t>0</a:t>
+                      </a:r>
+                      <a:endParaRPr lang="fr-FR" dirty="0"/>
+                    </a:p>
+                  </a:txBody>
+                  <a:tcPr/>
+                </a:tc>
+                <a:tc>
+                  <a:txBody>
+                    <a:bodyPr/>
+                    <a:lstStyle/>
+                    <a:p>
+                      <a:r>
+                        <a:rPr lang="en-US" dirty="0" smtClean="0"/>
+                        <a:t>0</a:t>
+                      </a:r>
+                      <a:endParaRPr lang="fr-FR" dirty="0"/>
+                    </a:p>
+                  </a:txBody>
+                  <a:tcPr/>
+                </a:tc>
+                <a:tc>
+                  <a:txBody>
+                    <a:bodyPr/>
+                    <a:lstStyle/>
+                    <a:p>
+                      <a:r>
+                        <a:rPr lang="en-US" dirty="0" smtClean="0"/>
+                        <a:t>0</a:t>
+                      </a:r>
+                      <a:endParaRPr lang="fr-FR" dirty="0"/>
+                    </a:p>
+                  </a:txBody>
+                  <a:tcPr/>
+                </a:tc>
+                <a:tc>
+                  <a:txBody>
+                    <a:bodyPr/>
+                    <a:lstStyle/>
+                    <a:p>
+                      <a:r>
+                        <a:rPr lang="en-US" dirty="0" smtClean="0"/>
+                        <a:t>0</a:t>
+                      </a:r>
+                      <a:endParaRPr lang="fr-FR" dirty="0"/>
+                    </a:p>
+                  </a:txBody>
+                  <a:tcPr/>
+                </a:tc>
+                <a:tc>
+                  <a:txBody>
+                    <a:bodyPr/>
+                    <a:lstStyle/>
+                    <a:p>
+                      <a:r>
+                        <a:rPr lang="en-US" dirty="0" smtClean="0"/>
+                        <a:t>1</a:t>
+                      </a:r>
+                      <a:endParaRPr lang="fr-FR" dirty="0"/>
+                    </a:p>
+                  </a:txBody>
+                  <a:tcPr/>
+                </a:tc>
+                <a:tc>
+                  <a:txBody>
+                    <a:bodyPr/>
+                    <a:lstStyle/>
+                    <a:p>
+                      <a:r>
+                        <a:rPr lang="en-US" dirty="0" smtClean="0"/>
+                        <a:t>0</a:t>
+                      </a:r>
+                      <a:endParaRPr lang="fr-FR" dirty="0"/>
+                    </a:p>
+                  </a:txBody>
+                  <a:tcPr/>
+                </a:tc>
+              </a:tr>
+              <a:tr h="327861">
+                <a:tc>
+                  <a:txBody>
+                    <a:bodyPr/>
+                    <a:lstStyle/>
+                    <a:p>
+                      <a:r>
+                        <a:rPr lang="en-US" dirty="0" smtClean="0"/>
+                        <a:t>dog</a:t>
+                      </a:r>
+                      <a:endParaRPr lang="fr-FR" dirty="0"/>
+                    </a:p>
+                  </a:txBody>
+                  <a:tcPr>
+                    <a:solidFill>
+                      <a:schemeClr val="bg2"/>
+                    </a:solidFill>
+                  </a:tcPr>
+                </a:tc>
+                <a:tc>
+                  <a:txBody>
+                    <a:bodyPr/>
+                    <a:lstStyle/>
+                    <a:p>
+                      <a:r>
+                        <a:rPr lang="en-US" dirty="0" smtClean="0"/>
+                        <a:t>0</a:t>
+                      </a:r>
+                      <a:endParaRPr lang="fr-FR" dirty="0"/>
+                    </a:p>
+                  </a:txBody>
+                  <a:tcPr/>
+                </a:tc>
+                <a:tc>
+                  <a:txBody>
+                    <a:bodyPr/>
+                    <a:lstStyle/>
+                    <a:p>
+                      <a:r>
+                        <a:rPr lang="en-US" dirty="0" smtClean="0"/>
+                        <a:t>0</a:t>
+                      </a:r>
+                      <a:endParaRPr lang="fr-FR" dirty="0"/>
+                    </a:p>
+                  </a:txBody>
+                  <a:tcPr/>
+                </a:tc>
+                <a:tc>
+                  <a:txBody>
+                    <a:bodyPr/>
+                    <a:lstStyle/>
+                    <a:p>
+                      <a:r>
+                        <a:rPr lang="en-US" dirty="0" smtClean="0"/>
+                        <a:t>0</a:t>
+                      </a:r>
+                      <a:endParaRPr lang="fr-FR" dirty="0"/>
+                    </a:p>
+                  </a:txBody>
+                  <a:tcPr/>
+                </a:tc>
+                <a:tc>
+                  <a:txBody>
+                    <a:bodyPr/>
+                    <a:lstStyle/>
+                    <a:p>
+                      <a:r>
+                        <a:rPr lang="en-US" dirty="0" smtClean="0"/>
+                        <a:t>0</a:t>
+                      </a:r>
+                      <a:endParaRPr lang="fr-FR" dirty="0"/>
+                    </a:p>
+                  </a:txBody>
+                  <a:tcPr/>
+                </a:tc>
+                <a:tc>
+                  <a:txBody>
+                    <a:bodyPr/>
+                    <a:lstStyle/>
+                    <a:p>
+                      <a:r>
+                        <a:rPr lang="en-US" dirty="0" smtClean="0"/>
+                        <a:t>0</a:t>
+                      </a:r>
+                      <a:endParaRPr lang="fr-FR" dirty="0"/>
+                    </a:p>
+                  </a:txBody>
+                  <a:tcPr/>
+                </a:tc>
+                <a:tc>
+                  <a:txBody>
+                    <a:bodyPr/>
+                    <a:lstStyle/>
+                    <a:p>
+                      <a:r>
+                        <a:rPr lang="en-US" dirty="0" smtClean="0"/>
+                        <a:t>0</a:t>
+                      </a:r>
+                      <a:endParaRPr lang="fr-FR" dirty="0"/>
+                    </a:p>
+                  </a:txBody>
+                  <a:tcPr/>
+                </a:tc>
+                <a:tc>
+                  <a:txBody>
+                    <a:bodyPr/>
+                    <a:lstStyle/>
+                    <a:p>
+                      <a:r>
+                        <a:rPr lang="en-US" dirty="0" smtClean="0"/>
+                        <a:t>1</a:t>
+                      </a:r>
+                      <a:endParaRPr lang="fr-FR" dirty="0"/>
+                    </a:p>
+                  </a:txBody>
+                  <a:tcPr/>
+                </a:tc>
+              </a:tr>
+            </a:tbl>
+          </a:graphicData>
+        </a:graphic>
+      </p:graphicFrame>
+    </p:spTree>
+    <p:extLst>
+      <p:ext uri="{BB962C8B-B14F-4D97-AF65-F5344CB8AC3E}">
+        <p14:creationId xmlns:p14="http://schemas.microsoft.com/office/powerpoint/2010/main" val="683241895"/>
+      </p:ext>
+    </p:extLst>
+  </p:cSld>
+  <p:clrMapOvr>
+    <a:masterClrMapping/>
+  </p:clrMapOvr>
+</p:sld>
+</file>
+
+<file path=ppt/slides/slide19.xml><?xml version="1.0" encoding="utf-8"?>
+<p:sld xmlns:a="http://schemas.openxmlformats.org/drawingml/2006/main" xmlns:r="http://schemas.openxmlformats.org/officeDocument/2006/relationships" xmlns:p="http://schemas.openxmlformats.org/presentationml/2006/main">
+  <p:cSld>
+    <p:spTree>
+      <p:nvGrpSpPr>
+        <p:cNvPr id="1" name=""/>
+        <p:cNvGrpSpPr/>
+        <p:nvPr/>
+      </p:nvGrpSpPr>
+      <p:grpSpPr>
+        <a:xfrm>
+          <a:off x="0" y="0"/>
+          <a:ext cx="0" cy="0"/>
+          <a:chOff x="0" y="0"/>
+          <a:chExt cx="0" cy="0"/>
+        </a:xfrm>
+      </p:grpSpPr>
+      <p:sp>
+        <p:nvSpPr>
+          <p:cNvPr id="2" name="Espace réservé du contenu 1"/>
+          <p:cNvSpPr>
+            <a:spLocks noGrp="1"/>
+          </p:cNvSpPr>
+          <p:nvPr>
+            <p:ph idx="1"/>
+          </p:nvPr>
+        </p:nvSpPr>
+        <p:spPr>
+          <a:xfrm>
+            <a:off x="467544" y="1196752"/>
+            <a:ext cx="8229600" cy="2451728"/>
+          </a:xfrm>
+        </p:spPr>
+        <p:txBody>
+          <a:bodyPr>
+            <a:normAutofit fontScale="62500" lnSpcReduction="20000"/>
+          </a:bodyPr>
+          <a:lstStyle/>
+          <a:p>
+            <a:r>
+              <a:rPr lang="en-US" dirty="0" smtClean="0"/>
+              <a:t>Distributional </a:t>
+            </a:r>
+            <a:r>
+              <a:rPr lang="en-US" dirty="0" err="1" smtClean="0"/>
+              <a:t>hyposthesis</a:t>
+            </a:r>
+            <a:r>
+              <a:rPr lang="en-US" dirty="0" smtClean="0"/>
+              <a:t> : you know a word by the company it keeps</a:t>
+            </a:r>
+          </a:p>
+          <a:p>
+            <a:endParaRPr lang="en-US" dirty="0"/>
+          </a:p>
+          <a:p>
+            <a:r>
+              <a:rPr lang="en-US" dirty="0" smtClean="0"/>
+              <a:t>Simply put :</a:t>
+            </a:r>
+          </a:p>
+          <a:p>
+            <a:pPr lvl="1"/>
+            <a:r>
+              <a:rPr lang="en-US" dirty="0" smtClean="0"/>
+              <a:t>Take a OHE vector</a:t>
+            </a:r>
+          </a:p>
+          <a:p>
+            <a:pPr lvl="1"/>
+            <a:r>
+              <a:rPr lang="en-US" dirty="0" smtClean="0"/>
+              <a:t>Run it through a matrix</a:t>
+            </a:r>
+          </a:p>
+          <a:p>
+            <a:pPr lvl="1"/>
+            <a:r>
+              <a:rPr lang="en-US" dirty="0" smtClean="0"/>
+              <a:t>Obtain representations of the OHE of another dimension</a:t>
+            </a:r>
+          </a:p>
+          <a:p>
+            <a:endParaRPr lang="en-US" dirty="0"/>
+          </a:p>
+          <a:p>
+            <a:r>
+              <a:rPr lang="en-US" dirty="0" smtClean="0"/>
+              <a:t>The weights are trainable, and optimize the best/most discriminative vector representation of a word</a:t>
+            </a:r>
+          </a:p>
+        </p:txBody>
+      </p:sp>
+      <p:sp>
+        <p:nvSpPr>
+          <p:cNvPr id="3" name="Titre 2"/>
+          <p:cNvSpPr>
+            <a:spLocks noGrp="1"/>
+          </p:cNvSpPr>
+          <p:nvPr>
+            <p:ph type="title"/>
+          </p:nvPr>
+        </p:nvSpPr>
+        <p:spPr/>
+        <p:txBody>
+          <a:bodyPr/>
+          <a:lstStyle/>
+          <a:p>
+            <a:r>
+              <a:rPr lang="en-US" dirty="0" smtClean="0"/>
+              <a:t>Embedding layer</a:t>
+            </a:r>
+            <a:endParaRPr lang="fr-FR" dirty="0"/>
+          </a:p>
+        </p:txBody>
+      </p:sp>
+      <p:graphicFrame>
+        <p:nvGraphicFramePr>
+          <p:cNvPr id="4" name="Tableau 3"/>
+          <p:cNvGraphicFramePr>
+            <a:graphicFrameLocks noGrp="1"/>
+          </p:cNvGraphicFramePr>
+          <p:nvPr>
+            <p:extLst>
+              <p:ext uri="{D42A27DB-BD31-4B8C-83A1-F6EECF244321}">
+                <p14:modId xmlns:p14="http://schemas.microsoft.com/office/powerpoint/2010/main" val="2982896220"/>
+              </p:ext>
+            </p:extLst>
+          </p:nvPr>
+        </p:nvGraphicFramePr>
+        <p:xfrm>
+          <a:off x="251520" y="4221088"/>
+          <a:ext cx="3124200" cy="1483360"/>
+        </p:xfrm>
+        <a:graphic>
+          <a:graphicData uri="http://schemas.openxmlformats.org/drawingml/2006/table">
+            <a:tbl>
+              <a:tblPr firstRow="1" bandRow="1">
+                <a:tableStyleId>{5940675A-B579-460E-94D1-54222C63F5DA}</a:tableStyleId>
+              </a:tblPr>
+              <a:tblGrid>
+                <a:gridCol w="208280"/>
+                <a:gridCol w="208280"/>
+                <a:gridCol w="208280"/>
+                <a:gridCol w="208280"/>
+                <a:gridCol w="208280"/>
+                <a:gridCol w="208280"/>
+                <a:gridCol w="208280"/>
+                <a:gridCol w="208280"/>
+                <a:gridCol w="208280"/>
+                <a:gridCol w="208280"/>
+                <a:gridCol w="208280"/>
+                <a:gridCol w="208280"/>
+                <a:gridCol w="208280"/>
+                <a:gridCol w="208280"/>
+                <a:gridCol w="208280"/>
+              </a:tblGrid>
+              <a:tr h="370840">
+                <a:tc>
+                  <a:txBody>
+                    <a:bodyPr/>
+                    <a:lstStyle/>
+                    <a:p>
+                      <a:endParaRPr lang="fr-FR" dirty="0"/>
+                    </a:p>
+                  </a:txBody>
+                  <a:tcPr/>
+                </a:tc>
+                <a:tc>
+                  <a:txBody>
+                    <a:bodyPr/>
+                    <a:lstStyle/>
+                    <a:p>
+                      <a:endParaRPr lang="fr-FR" dirty="0"/>
+                    </a:p>
+                  </a:txBody>
+                  <a:tcPr/>
+                </a:tc>
+                <a:tc>
+                  <a:txBody>
+                    <a:bodyPr/>
+                    <a:lstStyle/>
+                    <a:p>
+                      <a:endParaRPr lang="fr-FR"/>
+                    </a:p>
+                  </a:txBody>
+                  <a:tcPr/>
+                </a:tc>
+                <a:tc>
+                  <a:txBody>
+                    <a:bodyPr/>
+                    <a:lstStyle/>
+                    <a:p>
+                      <a:endParaRPr lang="fr-FR"/>
+                    </a:p>
+                  </a:txBody>
+                  <a:tcPr/>
+                </a:tc>
+                <a:tc>
+                  <a:txBody>
+                    <a:bodyPr/>
+                    <a:lstStyle/>
+                    <a:p>
+                      <a:endParaRPr lang="fr-FR"/>
+                    </a:p>
+                  </a:txBody>
+                  <a:tcPr/>
+                </a:tc>
+                <a:tc>
+                  <a:txBody>
+                    <a:bodyPr/>
+                    <a:lstStyle/>
+                    <a:p>
+                      <a:endParaRPr lang="fr-FR"/>
+                    </a:p>
+                  </a:txBody>
+                  <a:tcPr/>
+                </a:tc>
+                <a:tc>
+                  <a:txBody>
+                    <a:bodyPr/>
+                    <a:lstStyle/>
+                    <a:p>
+                      <a:endParaRPr lang="fr-FR"/>
+                    </a:p>
+                  </a:txBody>
+                  <a:tcPr/>
+                </a:tc>
+                <a:tc>
+                  <a:txBody>
+                    <a:bodyPr/>
+                    <a:lstStyle/>
+                    <a:p>
+                      <a:endParaRPr lang="fr-FR"/>
+                    </a:p>
+                  </a:txBody>
+                  <a:tcPr/>
+                </a:tc>
+                <a:tc>
+                  <a:txBody>
+                    <a:bodyPr/>
+                    <a:lstStyle/>
+                    <a:p>
+                      <a:endParaRPr lang="fr-FR"/>
+                    </a:p>
+                  </a:txBody>
+                  <a:tcPr/>
+                </a:tc>
+                <a:tc>
+                  <a:txBody>
+                    <a:bodyPr/>
+                    <a:lstStyle/>
+                    <a:p>
+                      <a:endParaRPr lang="fr-FR"/>
+                    </a:p>
+                  </a:txBody>
+                  <a:tcPr/>
+                </a:tc>
+                <a:tc>
+                  <a:txBody>
+                    <a:bodyPr/>
+                    <a:lstStyle/>
+                    <a:p>
+                      <a:endParaRPr lang="fr-FR"/>
+                    </a:p>
+                  </a:txBody>
+                  <a:tcPr/>
+                </a:tc>
+                <a:tc>
+                  <a:txBody>
+                    <a:bodyPr/>
+                    <a:lstStyle/>
+                    <a:p>
+                      <a:endParaRPr lang="fr-FR"/>
+                    </a:p>
+                  </a:txBody>
+                  <a:tcPr/>
+                </a:tc>
+                <a:tc>
+                  <a:txBody>
+                    <a:bodyPr/>
+                    <a:lstStyle/>
+                    <a:p>
+                      <a:endParaRPr lang="fr-FR"/>
+                    </a:p>
+                  </a:txBody>
+                  <a:tcPr/>
+                </a:tc>
+                <a:tc>
+                  <a:txBody>
+                    <a:bodyPr/>
+                    <a:lstStyle/>
+                    <a:p>
+                      <a:endParaRPr lang="fr-FR"/>
+                    </a:p>
+                  </a:txBody>
+                  <a:tcPr/>
+                </a:tc>
+                <a:tc>
+                  <a:txBody>
+                    <a:bodyPr/>
+                    <a:lstStyle/>
+                    <a:p>
+                      <a:endParaRPr lang="fr-FR"/>
+                    </a:p>
+                  </a:txBody>
+                  <a:tcPr/>
+                </a:tc>
+              </a:tr>
+              <a:tr h="370840">
+                <a:tc>
+                  <a:txBody>
+                    <a:bodyPr/>
+                    <a:lstStyle/>
+                    <a:p>
+                      <a:endParaRPr lang="fr-FR"/>
+                    </a:p>
+                  </a:txBody>
+                  <a:tcPr/>
+                </a:tc>
+                <a:tc>
+                  <a:txBody>
+                    <a:bodyPr/>
+                    <a:lstStyle/>
+                    <a:p>
+                      <a:endParaRPr lang="fr-FR"/>
+                    </a:p>
+                  </a:txBody>
+                  <a:tcPr/>
+                </a:tc>
+                <a:tc>
+                  <a:txBody>
+                    <a:bodyPr/>
+                    <a:lstStyle/>
+                    <a:p>
+                      <a:endParaRPr lang="fr-FR"/>
+                    </a:p>
+                  </a:txBody>
+                  <a:tcPr/>
+                </a:tc>
+                <a:tc>
+                  <a:txBody>
+                    <a:bodyPr/>
+                    <a:lstStyle/>
+                    <a:p>
+                      <a:endParaRPr lang="fr-FR"/>
+                    </a:p>
+                  </a:txBody>
+                  <a:tcPr/>
+                </a:tc>
+                <a:tc>
+                  <a:txBody>
+                    <a:bodyPr/>
+                    <a:lstStyle/>
+                    <a:p>
+                      <a:endParaRPr lang="fr-FR"/>
+                    </a:p>
+                  </a:txBody>
+                  <a:tcPr/>
+                </a:tc>
+                <a:tc>
+                  <a:txBody>
+                    <a:bodyPr/>
+                    <a:lstStyle/>
+                    <a:p>
+                      <a:endParaRPr lang="fr-FR"/>
+                    </a:p>
+                  </a:txBody>
+                  <a:tcPr/>
+                </a:tc>
+                <a:tc>
+                  <a:txBody>
+                    <a:bodyPr/>
+                    <a:lstStyle/>
+                    <a:p>
+                      <a:endParaRPr lang="fr-FR"/>
+                    </a:p>
+                  </a:txBody>
+                  <a:tcPr/>
+                </a:tc>
+                <a:tc>
+                  <a:txBody>
+                    <a:bodyPr/>
+                    <a:lstStyle/>
+                    <a:p>
+                      <a:endParaRPr lang="fr-FR"/>
+                    </a:p>
+                  </a:txBody>
+                  <a:tcPr/>
+                </a:tc>
+                <a:tc>
+                  <a:txBody>
+                    <a:bodyPr/>
+                    <a:lstStyle/>
+                    <a:p>
+                      <a:endParaRPr lang="fr-FR"/>
+                    </a:p>
+                  </a:txBody>
+                  <a:tcPr/>
+                </a:tc>
+                <a:tc>
+                  <a:txBody>
+                    <a:bodyPr/>
+                    <a:lstStyle/>
+                    <a:p>
+                      <a:endParaRPr lang="fr-FR"/>
+                    </a:p>
+                  </a:txBody>
+                  <a:tcPr/>
+                </a:tc>
+                <a:tc>
+                  <a:txBody>
+                    <a:bodyPr/>
+                    <a:lstStyle/>
+                    <a:p>
+                      <a:endParaRPr lang="fr-FR"/>
+                    </a:p>
+                  </a:txBody>
+                  <a:tcPr/>
+                </a:tc>
+                <a:tc>
+                  <a:txBody>
+                    <a:bodyPr/>
+                    <a:lstStyle/>
+                    <a:p>
+                      <a:endParaRPr lang="fr-FR"/>
+                    </a:p>
+                  </a:txBody>
+                  <a:tcPr/>
+                </a:tc>
+                <a:tc>
+                  <a:txBody>
+                    <a:bodyPr/>
+                    <a:lstStyle/>
+                    <a:p>
+                      <a:endParaRPr lang="fr-FR"/>
+                    </a:p>
+                  </a:txBody>
+                  <a:tcPr/>
+                </a:tc>
+                <a:tc>
+                  <a:txBody>
+                    <a:bodyPr/>
+                    <a:lstStyle/>
+                    <a:p>
+                      <a:endParaRPr lang="fr-FR"/>
+                    </a:p>
+                  </a:txBody>
+                  <a:tcPr/>
+                </a:tc>
+                <a:tc>
+                  <a:txBody>
+                    <a:bodyPr/>
+                    <a:lstStyle/>
+                    <a:p>
+                      <a:endParaRPr lang="fr-FR"/>
+                    </a:p>
+                  </a:txBody>
+                  <a:tcPr/>
+                </a:tc>
+              </a:tr>
+              <a:tr h="370840">
+                <a:tc>
+                  <a:txBody>
+                    <a:bodyPr/>
+                    <a:lstStyle/>
+                    <a:p>
+                      <a:endParaRPr lang="fr-FR"/>
+                    </a:p>
+                  </a:txBody>
+                  <a:tcPr/>
+                </a:tc>
+                <a:tc>
+                  <a:txBody>
+                    <a:bodyPr/>
+                    <a:lstStyle/>
+                    <a:p>
+                      <a:endParaRPr lang="fr-FR"/>
+                    </a:p>
+                  </a:txBody>
+                  <a:tcPr/>
+                </a:tc>
+                <a:tc>
+                  <a:txBody>
+                    <a:bodyPr/>
+                    <a:lstStyle/>
+                    <a:p>
+                      <a:endParaRPr lang="fr-FR"/>
+                    </a:p>
+                  </a:txBody>
+                  <a:tcPr/>
+                </a:tc>
+                <a:tc>
+                  <a:txBody>
+                    <a:bodyPr/>
+                    <a:lstStyle/>
+                    <a:p>
+                      <a:endParaRPr lang="fr-FR"/>
+                    </a:p>
+                  </a:txBody>
+                  <a:tcPr/>
+                </a:tc>
+                <a:tc>
+                  <a:txBody>
+                    <a:bodyPr/>
+                    <a:lstStyle/>
+                    <a:p>
+                      <a:endParaRPr lang="fr-FR"/>
+                    </a:p>
+                  </a:txBody>
+                  <a:tcPr/>
+                </a:tc>
+                <a:tc>
+                  <a:txBody>
+                    <a:bodyPr/>
+                    <a:lstStyle/>
+                    <a:p>
+                      <a:endParaRPr lang="fr-FR"/>
+                    </a:p>
+                  </a:txBody>
+                  <a:tcPr/>
+                </a:tc>
+                <a:tc>
+                  <a:txBody>
+                    <a:bodyPr/>
+                    <a:lstStyle/>
+                    <a:p>
+                      <a:endParaRPr lang="fr-FR"/>
+                    </a:p>
+                  </a:txBody>
+                  <a:tcPr/>
+                </a:tc>
+                <a:tc>
+                  <a:txBody>
+                    <a:bodyPr/>
+                    <a:lstStyle/>
+                    <a:p>
+                      <a:endParaRPr lang="fr-FR"/>
+                    </a:p>
+                  </a:txBody>
+                  <a:tcPr/>
+                </a:tc>
+                <a:tc>
+                  <a:txBody>
+                    <a:bodyPr/>
+                    <a:lstStyle/>
+                    <a:p>
+                      <a:endParaRPr lang="fr-FR"/>
+                    </a:p>
+                  </a:txBody>
+                  <a:tcPr/>
+                </a:tc>
+                <a:tc>
+                  <a:txBody>
+                    <a:bodyPr/>
+                    <a:lstStyle/>
+                    <a:p>
+                      <a:endParaRPr lang="fr-FR"/>
+                    </a:p>
+                  </a:txBody>
+                  <a:tcPr/>
+                </a:tc>
+                <a:tc>
+                  <a:txBody>
+                    <a:bodyPr/>
+                    <a:lstStyle/>
+                    <a:p>
+                      <a:endParaRPr lang="fr-FR"/>
+                    </a:p>
+                  </a:txBody>
+                  <a:tcPr/>
+                </a:tc>
+                <a:tc>
+                  <a:txBody>
+                    <a:bodyPr/>
+                    <a:lstStyle/>
+                    <a:p>
+                      <a:endParaRPr lang="fr-FR"/>
+                    </a:p>
+                  </a:txBody>
+                  <a:tcPr/>
+                </a:tc>
+                <a:tc>
+                  <a:txBody>
+                    <a:bodyPr/>
+                    <a:lstStyle/>
+                    <a:p>
+                      <a:endParaRPr lang="fr-FR"/>
+                    </a:p>
+                  </a:txBody>
+                  <a:tcPr/>
+                </a:tc>
+                <a:tc>
+                  <a:txBody>
+                    <a:bodyPr/>
+                    <a:lstStyle/>
+                    <a:p>
+                      <a:endParaRPr lang="fr-FR"/>
+                    </a:p>
+                  </a:txBody>
+                  <a:tcPr/>
+                </a:tc>
+                <a:tc>
+                  <a:txBody>
+                    <a:bodyPr/>
+                    <a:lstStyle/>
+                    <a:p>
+                      <a:endParaRPr lang="fr-FR"/>
+                    </a:p>
+                  </a:txBody>
+                  <a:tcPr/>
+                </a:tc>
+              </a:tr>
+              <a:tr h="370840">
+                <a:tc>
+                  <a:txBody>
+                    <a:bodyPr/>
+                    <a:lstStyle/>
+                    <a:p>
+                      <a:endParaRPr lang="fr-FR" dirty="0"/>
+                    </a:p>
+                  </a:txBody>
+                  <a:tcPr/>
+                </a:tc>
+                <a:tc>
+                  <a:txBody>
+                    <a:bodyPr/>
+                    <a:lstStyle/>
+                    <a:p>
+                      <a:endParaRPr lang="fr-FR" dirty="0"/>
+                    </a:p>
+                  </a:txBody>
+                  <a:tcPr/>
+                </a:tc>
+                <a:tc>
+                  <a:txBody>
+                    <a:bodyPr/>
+                    <a:lstStyle/>
+                    <a:p>
+                      <a:endParaRPr lang="fr-FR" dirty="0"/>
+                    </a:p>
+                  </a:txBody>
+                  <a:tcPr/>
+                </a:tc>
+                <a:tc>
+                  <a:txBody>
+                    <a:bodyPr/>
+                    <a:lstStyle/>
+                    <a:p>
+                      <a:endParaRPr lang="fr-FR" dirty="0"/>
+                    </a:p>
+                  </a:txBody>
+                  <a:tcPr/>
+                </a:tc>
+                <a:tc>
+                  <a:txBody>
+                    <a:bodyPr/>
+                    <a:lstStyle/>
+                    <a:p>
+                      <a:endParaRPr lang="fr-FR" dirty="0"/>
+                    </a:p>
+                  </a:txBody>
+                  <a:tcPr/>
+                </a:tc>
+                <a:tc>
+                  <a:txBody>
+                    <a:bodyPr/>
+                    <a:lstStyle/>
+                    <a:p>
+                      <a:endParaRPr lang="fr-FR" dirty="0"/>
+                    </a:p>
+                  </a:txBody>
+                  <a:tcPr/>
+                </a:tc>
+                <a:tc>
+                  <a:txBody>
+                    <a:bodyPr/>
+                    <a:lstStyle/>
+                    <a:p>
+                      <a:endParaRPr lang="fr-FR" dirty="0"/>
+                    </a:p>
+                  </a:txBody>
+                  <a:tcPr/>
+                </a:tc>
+                <a:tc>
+                  <a:txBody>
+                    <a:bodyPr/>
+                    <a:lstStyle/>
+                    <a:p>
+                      <a:endParaRPr lang="fr-FR" dirty="0"/>
+                    </a:p>
+                  </a:txBody>
+                  <a:tcPr/>
+                </a:tc>
+                <a:tc>
+                  <a:txBody>
+                    <a:bodyPr/>
+                    <a:lstStyle/>
+                    <a:p>
+                      <a:endParaRPr lang="fr-FR" dirty="0"/>
+                    </a:p>
+                  </a:txBody>
+                  <a:tcPr/>
+                </a:tc>
+                <a:tc>
+                  <a:txBody>
+                    <a:bodyPr/>
+                    <a:lstStyle/>
+                    <a:p>
+                      <a:endParaRPr lang="fr-FR" dirty="0"/>
+                    </a:p>
+                  </a:txBody>
+                  <a:tcPr/>
+                </a:tc>
+                <a:tc>
+                  <a:txBody>
+                    <a:bodyPr/>
+                    <a:lstStyle/>
+                    <a:p>
+                      <a:endParaRPr lang="fr-FR" dirty="0"/>
+                    </a:p>
+                  </a:txBody>
+                  <a:tcPr/>
+                </a:tc>
+                <a:tc>
+                  <a:txBody>
+                    <a:bodyPr/>
+                    <a:lstStyle/>
+                    <a:p>
+                      <a:endParaRPr lang="fr-FR" dirty="0"/>
+                    </a:p>
+                  </a:txBody>
+                  <a:tcPr/>
+                </a:tc>
+                <a:tc>
+                  <a:txBody>
+                    <a:bodyPr/>
+                    <a:lstStyle/>
+                    <a:p>
+                      <a:endParaRPr lang="fr-FR" dirty="0"/>
+                    </a:p>
+                  </a:txBody>
+                  <a:tcPr/>
+                </a:tc>
+                <a:tc>
+                  <a:txBody>
+                    <a:bodyPr/>
+                    <a:lstStyle/>
+                    <a:p>
+                      <a:endParaRPr lang="fr-FR" dirty="0"/>
+                    </a:p>
+                  </a:txBody>
+                  <a:tcPr/>
+                </a:tc>
+                <a:tc>
+                  <a:txBody>
+                    <a:bodyPr/>
+                    <a:lstStyle/>
+                    <a:p>
+                      <a:endParaRPr lang="fr-FR" dirty="0"/>
+                    </a:p>
+                  </a:txBody>
+                  <a:tcPr/>
+                </a:tc>
+              </a:tr>
+            </a:tbl>
+          </a:graphicData>
+        </a:graphic>
+      </p:graphicFrame>
+      <p:graphicFrame>
+        <p:nvGraphicFramePr>
+          <p:cNvPr id="5" name="Tableau 4"/>
+          <p:cNvGraphicFramePr>
+            <a:graphicFrameLocks noGrp="1"/>
+          </p:cNvGraphicFramePr>
+          <p:nvPr>
+            <p:extLst>
+              <p:ext uri="{D42A27DB-BD31-4B8C-83A1-F6EECF244321}">
+                <p14:modId xmlns:p14="http://schemas.microsoft.com/office/powerpoint/2010/main" val="662512510"/>
+              </p:ext>
+            </p:extLst>
+          </p:nvPr>
+        </p:nvGraphicFramePr>
+        <p:xfrm>
+          <a:off x="3851920" y="3284984"/>
+          <a:ext cx="2376264" cy="4450080"/>
+        </p:xfrm>
+        <a:graphic>
+          <a:graphicData uri="http://schemas.openxmlformats.org/drawingml/2006/table">
+            <a:tbl>
+              <a:tblPr firstRow="1" bandRow="1">
+                <a:tableStyleId>{5940675A-B579-460E-94D1-54222C63F5DA}</a:tableStyleId>
+              </a:tblPr>
+              <a:tblGrid>
+                <a:gridCol w="792088"/>
+                <a:gridCol w="792088"/>
+                <a:gridCol w="792088"/>
+              </a:tblGrid>
+              <a:tr h="370840">
+                <a:tc>
+                  <a:txBody>
+                    <a:bodyPr/>
+                    <a:lstStyle/>
+                    <a:p>
+                      <a:endParaRPr lang="fr-FR" dirty="0"/>
+                    </a:p>
+                  </a:txBody>
+                  <a:tcPr/>
+                </a:tc>
+                <a:tc>
+                  <a:txBody>
+                    <a:bodyPr/>
+                    <a:lstStyle/>
+                    <a:p>
+                      <a:endParaRPr lang="fr-FR"/>
+                    </a:p>
+                  </a:txBody>
+                  <a:tcPr/>
+                </a:tc>
+                <a:tc>
+                  <a:txBody>
+                    <a:bodyPr/>
+                    <a:lstStyle/>
+                    <a:p>
+                      <a:endParaRPr lang="fr-FR" dirty="0"/>
+                    </a:p>
+                  </a:txBody>
+                  <a:tcPr/>
+                </a:tc>
+              </a:tr>
+              <a:tr h="370840">
+                <a:tc>
+                  <a:txBody>
+                    <a:bodyPr/>
+                    <a:lstStyle/>
+                    <a:p>
+                      <a:endParaRPr lang="fr-FR" dirty="0"/>
+                    </a:p>
+                  </a:txBody>
+                  <a:tcPr/>
+                </a:tc>
+                <a:tc>
+                  <a:txBody>
+                    <a:bodyPr/>
+                    <a:lstStyle/>
+                    <a:p>
+                      <a:endParaRPr lang="fr-FR"/>
+                    </a:p>
+                  </a:txBody>
+                  <a:tcPr/>
+                </a:tc>
+                <a:tc>
+                  <a:txBody>
+                    <a:bodyPr/>
+                    <a:lstStyle/>
+                    <a:p>
+                      <a:endParaRPr lang="fr-FR" dirty="0"/>
+                    </a:p>
+                  </a:txBody>
+                  <a:tcPr/>
+                </a:tc>
+              </a:tr>
+              <a:tr h="370840">
+                <a:tc>
+                  <a:txBody>
+                    <a:bodyPr/>
+                    <a:lstStyle/>
+                    <a:p>
+                      <a:endParaRPr lang="fr-FR" dirty="0"/>
+                    </a:p>
+                  </a:txBody>
+                  <a:tcPr/>
+                </a:tc>
+                <a:tc>
+                  <a:txBody>
+                    <a:bodyPr/>
+                    <a:lstStyle/>
+                    <a:p>
+                      <a:endParaRPr lang="fr-FR"/>
+                    </a:p>
+                  </a:txBody>
+                  <a:tcPr/>
+                </a:tc>
+                <a:tc>
+                  <a:txBody>
+                    <a:bodyPr/>
+                    <a:lstStyle/>
+                    <a:p>
+                      <a:endParaRPr lang="fr-FR" dirty="0"/>
+                    </a:p>
+                  </a:txBody>
+                  <a:tcPr/>
+                </a:tc>
+              </a:tr>
+              <a:tr h="370840">
+                <a:tc>
+                  <a:txBody>
+                    <a:bodyPr/>
+                    <a:lstStyle/>
+                    <a:p>
+                      <a:endParaRPr lang="fr-FR" dirty="0"/>
+                    </a:p>
+                  </a:txBody>
+                  <a:tcPr/>
+                </a:tc>
+                <a:tc>
+                  <a:txBody>
+                    <a:bodyPr/>
+                    <a:lstStyle/>
+                    <a:p>
+                      <a:endParaRPr lang="fr-FR"/>
+                    </a:p>
+                  </a:txBody>
+                  <a:tcPr/>
+                </a:tc>
+                <a:tc>
+                  <a:txBody>
+                    <a:bodyPr/>
+                    <a:lstStyle/>
+                    <a:p>
+                      <a:endParaRPr lang="fr-FR" dirty="0"/>
+                    </a:p>
+                  </a:txBody>
+                  <a:tcPr/>
+                </a:tc>
+              </a:tr>
+              <a:tr h="370840">
+                <a:tc>
+                  <a:txBody>
+                    <a:bodyPr/>
+                    <a:lstStyle/>
+                    <a:p>
+                      <a:endParaRPr lang="fr-FR" dirty="0"/>
+                    </a:p>
+                  </a:txBody>
+                  <a:tcPr/>
+                </a:tc>
+                <a:tc>
+                  <a:txBody>
+                    <a:bodyPr/>
+                    <a:lstStyle/>
+                    <a:p>
+                      <a:endParaRPr lang="fr-FR"/>
+                    </a:p>
+                  </a:txBody>
+                  <a:tcPr/>
+                </a:tc>
+                <a:tc>
+                  <a:txBody>
+                    <a:bodyPr/>
+                    <a:lstStyle/>
+                    <a:p>
+                      <a:endParaRPr lang="fr-FR" dirty="0"/>
+                    </a:p>
+                  </a:txBody>
+                  <a:tcPr/>
+                </a:tc>
+              </a:tr>
+              <a:tr h="370840">
+                <a:tc>
+                  <a:txBody>
+                    <a:bodyPr/>
+                    <a:lstStyle/>
+                    <a:p>
+                      <a:endParaRPr lang="fr-FR" dirty="0"/>
+                    </a:p>
+                  </a:txBody>
+                  <a:tcPr/>
+                </a:tc>
+                <a:tc>
+                  <a:txBody>
+                    <a:bodyPr/>
+                    <a:lstStyle/>
+                    <a:p>
+                      <a:endParaRPr lang="fr-FR"/>
+                    </a:p>
+                  </a:txBody>
+                  <a:tcPr/>
+                </a:tc>
+                <a:tc>
+                  <a:txBody>
+                    <a:bodyPr/>
+                    <a:lstStyle/>
+                    <a:p>
+                      <a:endParaRPr lang="fr-FR" dirty="0"/>
+                    </a:p>
+                  </a:txBody>
+                  <a:tcPr/>
+                </a:tc>
+              </a:tr>
+              <a:tr h="370840">
+                <a:tc>
+                  <a:txBody>
+                    <a:bodyPr/>
+                    <a:lstStyle/>
+                    <a:p>
+                      <a:endParaRPr lang="fr-FR" dirty="0"/>
+                    </a:p>
+                  </a:txBody>
+                  <a:tcPr/>
+                </a:tc>
+                <a:tc>
+                  <a:txBody>
+                    <a:bodyPr/>
+                    <a:lstStyle/>
+                    <a:p>
+                      <a:endParaRPr lang="fr-FR"/>
+                    </a:p>
+                  </a:txBody>
+                  <a:tcPr/>
+                </a:tc>
+                <a:tc>
+                  <a:txBody>
+                    <a:bodyPr/>
+                    <a:lstStyle/>
+                    <a:p>
+                      <a:endParaRPr lang="fr-FR" dirty="0"/>
+                    </a:p>
+                  </a:txBody>
+                  <a:tcPr/>
+                </a:tc>
+              </a:tr>
+              <a:tr h="370840">
+                <a:tc>
+                  <a:txBody>
+                    <a:bodyPr/>
+                    <a:lstStyle/>
+                    <a:p>
+                      <a:endParaRPr lang="fr-FR" dirty="0"/>
+                    </a:p>
+                  </a:txBody>
+                  <a:tcPr/>
+                </a:tc>
+                <a:tc>
+                  <a:txBody>
+                    <a:bodyPr/>
+                    <a:lstStyle/>
+                    <a:p>
+                      <a:endParaRPr lang="fr-FR"/>
+                    </a:p>
+                  </a:txBody>
+                  <a:tcPr/>
+                </a:tc>
+                <a:tc>
+                  <a:txBody>
+                    <a:bodyPr/>
+                    <a:lstStyle/>
+                    <a:p>
+                      <a:endParaRPr lang="fr-FR" dirty="0"/>
+                    </a:p>
+                  </a:txBody>
+                  <a:tcPr/>
+                </a:tc>
+              </a:tr>
+              <a:tr h="370840">
+                <a:tc>
+                  <a:txBody>
+                    <a:bodyPr/>
+                    <a:lstStyle/>
+                    <a:p>
+                      <a:endParaRPr lang="fr-FR" dirty="0"/>
+                    </a:p>
+                  </a:txBody>
+                  <a:tcPr/>
+                </a:tc>
+                <a:tc>
+                  <a:txBody>
+                    <a:bodyPr/>
+                    <a:lstStyle/>
+                    <a:p>
+                      <a:endParaRPr lang="fr-FR"/>
+                    </a:p>
+                  </a:txBody>
+                  <a:tcPr/>
+                </a:tc>
+                <a:tc>
+                  <a:txBody>
+                    <a:bodyPr/>
+                    <a:lstStyle/>
+                    <a:p>
+                      <a:endParaRPr lang="fr-FR"/>
+                    </a:p>
+                  </a:txBody>
+                  <a:tcPr/>
+                </a:tc>
+              </a:tr>
+              <a:tr h="370840">
+                <a:tc>
+                  <a:txBody>
+                    <a:bodyPr/>
+                    <a:lstStyle/>
+                    <a:p>
+                      <a:endParaRPr lang="fr-FR"/>
+                    </a:p>
+                  </a:txBody>
+                  <a:tcPr/>
+                </a:tc>
+                <a:tc>
+                  <a:txBody>
+                    <a:bodyPr/>
+                    <a:lstStyle/>
+                    <a:p>
+                      <a:endParaRPr lang="fr-FR"/>
+                    </a:p>
+                  </a:txBody>
+                  <a:tcPr/>
+                </a:tc>
+                <a:tc>
+                  <a:txBody>
+                    <a:bodyPr/>
+                    <a:lstStyle/>
+                    <a:p>
+                      <a:endParaRPr lang="fr-FR"/>
+                    </a:p>
+                  </a:txBody>
+                  <a:tcPr/>
+                </a:tc>
+              </a:tr>
+              <a:tr h="370840">
+                <a:tc>
+                  <a:txBody>
+                    <a:bodyPr/>
+                    <a:lstStyle/>
+                    <a:p>
+                      <a:endParaRPr lang="fr-FR"/>
+                    </a:p>
+                  </a:txBody>
+                  <a:tcPr/>
+                </a:tc>
+                <a:tc>
+                  <a:txBody>
+                    <a:bodyPr/>
+                    <a:lstStyle/>
+                    <a:p>
+                      <a:endParaRPr lang="fr-FR"/>
+                    </a:p>
+                  </a:txBody>
+                  <a:tcPr/>
+                </a:tc>
+                <a:tc>
+                  <a:txBody>
+                    <a:bodyPr/>
+                    <a:lstStyle/>
+                    <a:p>
+                      <a:endParaRPr lang="fr-FR"/>
+                    </a:p>
+                  </a:txBody>
+                  <a:tcPr/>
+                </a:tc>
+              </a:tr>
+              <a:tr h="370840">
+                <a:tc>
+                  <a:txBody>
+                    <a:bodyPr/>
+                    <a:lstStyle/>
+                    <a:p>
+                      <a:endParaRPr lang="fr-FR" dirty="0"/>
+                    </a:p>
+                  </a:txBody>
+                  <a:tcPr/>
+                </a:tc>
+                <a:tc>
+                  <a:txBody>
+                    <a:bodyPr/>
+                    <a:lstStyle/>
+                    <a:p>
+                      <a:endParaRPr lang="fr-FR" dirty="0"/>
+                    </a:p>
+                  </a:txBody>
+                  <a:tcPr/>
+                </a:tc>
+                <a:tc>
+                  <a:txBody>
+                    <a:bodyPr/>
+                    <a:lstStyle/>
+                    <a:p>
+                      <a:endParaRPr lang="fr-FR" dirty="0"/>
+                    </a:p>
+                  </a:txBody>
+                  <a:tcPr/>
+                </a:tc>
+              </a:tr>
+            </a:tbl>
+          </a:graphicData>
+        </a:graphic>
+      </p:graphicFrame>
+      <p:graphicFrame>
+        <p:nvGraphicFramePr>
+          <p:cNvPr id="6" name="Tableau 5"/>
+          <p:cNvGraphicFramePr>
+            <a:graphicFrameLocks noGrp="1"/>
+          </p:cNvGraphicFramePr>
+          <p:nvPr>
+            <p:extLst>
+              <p:ext uri="{D42A27DB-BD31-4B8C-83A1-F6EECF244321}">
+                <p14:modId xmlns:p14="http://schemas.microsoft.com/office/powerpoint/2010/main" val="3704180838"/>
+              </p:ext>
+            </p:extLst>
+          </p:nvPr>
+        </p:nvGraphicFramePr>
+        <p:xfrm>
+          <a:off x="6444208" y="3573016"/>
+          <a:ext cx="2376262" cy="2520280"/>
+        </p:xfrm>
+        <a:graphic>
+          <a:graphicData uri="http://schemas.openxmlformats.org/drawingml/2006/table">
+            <a:tbl>
+              <a:tblPr firstRow="1" bandRow="1">
+                <a:tableStyleId>{5940675A-B579-460E-94D1-54222C63F5DA}</a:tableStyleId>
+              </a:tblPr>
+              <a:tblGrid>
+                <a:gridCol w="339466"/>
+                <a:gridCol w="339466"/>
+                <a:gridCol w="339466"/>
+                <a:gridCol w="339466"/>
+                <a:gridCol w="339466"/>
+                <a:gridCol w="339466"/>
+                <a:gridCol w="339466"/>
+              </a:tblGrid>
+              <a:tr h="630070">
+                <a:tc>
+                  <a:txBody>
+                    <a:bodyPr/>
+                    <a:lstStyle/>
+                    <a:p>
+                      <a:endParaRPr lang="fr-FR" dirty="0"/>
+                    </a:p>
+                  </a:txBody>
+                  <a:tcPr/>
+                </a:tc>
+                <a:tc>
+                  <a:txBody>
+                    <a:bodyPr/>
+                    <a:lstStyle/>
+                    <a:p>
+                      <a:endParaRPr lang="fr-FR"/>
+                    </a:p>
+                  </a:txBody>
+                  <a:tcPr/>
+                </a:tc>
+                <a:tc>
+                  <a:txBody>
+                    <a:bodyPr/>
+                    <a:lstStyle/>
+                    <a:p>
+                      <a:endParaRPr lang="fr-FR"/>
+                    </a:p>
+                  </a:txBody>
+                  <a:tcPr/>
+                </a:tc>
+                <a:tc>
+                  <a:txBody>
+                    <a:bodyPr/>
+                    <a:lstStyle/>
+                    <a:p>
+                      <a:endParaRPr lang="fr-FR"/>
+                    </a:p>
+                  </a:txBody>
+                  <a:tcPr/>
+                </a:tc>
+                <a:tc>
+                  <a:txBody>
+                    <a:bodyPr/>
+                    <a:lstStyle/>
+                    <a:p>
+                      <a:endParaRPr lang="fr-FR"/>
+                    </a:p>
+                  </a:txBody>
+                  <a:tcPr/>
+                </a:tc>
+                <a:tc>
+                  <a:txBody>
+                    <a:bodyPr/>
+                    <a:lstStyle/>
+                    <a:p>
+                      <a:endParaRPr lang="fr-FR"/>
+                    </a:p>
+                  </a:txBody>
+                  <a:tcPr/>
+                </a:tc>
+                <a:tc>
+                  <a:txBody>
+                    <a:bodyPr/>
+                    <a:lstStyle/>
+                    <a:p>
+                      <a:endParaRPr lang="fr-FR"/>
+                    </a:p>
+                  </a:txBody>
+                  <a:tcPr/>
+                </a:tc>
+              </a:tr>
+              <a:tr h="630070">
+                <a:tc>
+                  <a:txBody>
+                    <a:bodyPr/>
+                    <a:lstStyle/>
+                    <a:p>
+                      <a:endParaRPr lang="fr-FR"/>
+                    </a:p>
+                  </a:txBody>
+                  <a:tcPr/>
+                </a:tc>
+                <a:tc>
+                  <a:txBody>
+                    <a:bodyPr/>
+                    <a:lstStyle/>
+                    <a:p>
+                      <a:endParaRPr lang="fr-FR"/>
+                    </a:p>
+                  </a:txBody>
+                  <a:tcPr/>
+                </a:tc>
+                <a:tc>
+                  <a:txBody>
+                    <a:bodyPr/>
+                    <a:lstStyle/>
+                    <a:p>
+                      <a:endParaRPr lang="fr-FR"/>
+                    </a:p>
+                  </a:txBody>
+                  <a:tcPr/>
+                </a:tc>
+                <a:tc>
+                  <a:txBody>
+                    <a:bodyPr/>
+                    <a:lstStyle/>
+                    <a:p>
+                      <a:endParaRPr lang="fr-FR"/>
+                    </a:p>
+                  </a:txBody>
+                  <a:tcPr/>
+                </a:tc>
+                <a:tc>
+                  <a:txBody>
+                    <a:bodyPr/>
+                    <a:lstStyle/>
+                    <a:p>
+                      <a:endParaRPr lang="fr-FR"/>
+                    </a:p>
+                  </a:txBody>
+                  <a:tcPr/>
+                </a:tc>
+                <a:tc>
+                  <a:txBody>
+                    <a:bodyPr/>
+                    <a:lstStyle/>
+                    <a:p>
+                      <a:endParaRPr lang="fr-FR"/>
+                    </a:p>
+                  </a:txBody>
+                  <a:tcPr/>
+                </a:tc>
+                <a:tc>
+                  <a:txBody>
+                    <a:bodyPr/>
+                    <a:lstStyle/>
+                    <a:p>
+                      <a:endParaRPr lang="fr-FR"/>
+                    </a:p>
+                  </a:txBody>
+                  <a:tcPr/>
+                </a:tc>
+              </a:tr>
+              <a:tr h="630070">
+                <a:tc>
+                  <a:txBody>
+                    <a:bodyPr/>
+                    <a:lstStyle/>
+                    <a:p>
+                      <a:endParaRPr lang="fr-FR"/>
+                    </a:p>
+                  </a:txBody>
+                  <a:tcPr/>
+                </a:tc>
+                <a:tc>
+                  <a:txBody>
+                    <a:bodyPr/>
+                    <a:lstStyle/>
+                    <a:p>
+                      <a:endParaRPr lang="fr-FR"/>
+                    </a:p>
+                  </a:txBody>
+                  <a:tcPr/>
+                </a:tc>
+                <a:tc>
+                  <a:txBody>
+                    <a:bodyPr/>
+                    <a:lstStyle/>
+                    <a:p>
+                      <a:endParaRPr lang="fr-FR"/>
+                    </a:p>
+                  </a:txBody>
+                  <a:tcPr/>
+                </a:tc>
+                <a:tc>
+                  <a:txBody>
+                    <a:bodyPr/>
+                    <a:lstStyle/>
+                    <a:p>
+                      <a:endParaRPr lang="fr-FR"/>
+                    </a:p>
+                  </a:txBody>
+                  <a:tcPr/>
+                </a:tc>
+                <a:tc>
+                  <a:txBody>
+                    <a:bodyPr/>
+                    <a:lstStyle/>
+                    <a:p>
+                      <a:endParaRPr lang="fr-FR"/>
+                    </a:p>
+                  </a:txBody>
+                  <a:tcPr/>
+                </a:tc>
+                <a:tc>
+                  <a:txBody>
+                    <a:bodyPr/>
+                    <a:lstStyle/>
+                    <a:p>
+                      <a:endParaRPr lang="fr-FR"/>
+                    </a:p>
+                  </a:txBody>
+                  <a:tcPr/>
+                </a:tc>
+                <a:tc>
+                  <a:txBody>
+                    <a:bodyPr/>
+                    <a:lstStyle/>
+                    <a:p>
+                      <a:endParaRPr lang="fr-FR"/>
+                    </a:p>
+                  </a:txBody>
+                  <a:tcPr/>
+                </a:tc>
+              </a:tr>
+              <a:tr h="630070">
+                <a:tc>
+                  <a:txBody>
+                    <a:bodyPr/>
+                    <a:lstStyle/>
+                    <a:p>
+                      <a:endParaRPr lang="fr-FR" dirty="0"/>
+                    </a:p>
+                  </a:txBody>
+                  <a:tcPr/>
+                </a:tc>
+                <a:tc>
+                  <a:txBody>
+                    <a:bodyPr/>
+                    <a:lstStyle/>
+                    <a:p>
+                      <a:endParaRPr lang="fr-FR"/>
+                    </a:p>
+                  </a:txBody>
+                  <a:tcPr/>
+                </a:tc>
+                <a:tc>
+                  <a:txBody>
+                    <a:bodyPr/>
+                    <a:lstStyle/>
+                    <a:p>
+                      <a:endParaRPr lang="fr-FR" dirty="0"/>
+                    </a:p>
+                  </a:txBody>
+                  <a:tcPr/>
+                </a:tc>
+                <a:tc>
+                  <a:txBody>
+                    <a:bodyPr/>
+                    <a:lstStyle/>
+                    <a:p>
+                      <a:endParaRPr lang="fr-FR" dirty="0"/>
+                    </a:p>
+                  </a:txBody>
+                  <a:tcPr/>
+                </a:tc>
+                <a:tc>
+                  <a:txBody>
+                    <a:bodyPr/>
+                    <a:lstStyle/>
+                    <a:p>
+                      <a:endParaRPr lang="fr-FR" dirty="0"/>
+                    </a:p>
+                  </a:txBody>
+                  <a:tcPr/>
+                </a:tc>
+                <a:tc>
+                  <a:txBody>
+                    <a:bodyPr/>
+                    <a:lstStyle/>
+                    <a:p>
+                      <a:endParaRPr lang="fr-FR" dirty="0"/>
+                    </a:p>
+                  </a:txBody>
+                  <a:tcPr/>
+                </a:tc>
+                <a:tc>
+                  <a:txBody>
+                    <a:bodyPr/>
+                    <a:lstStyle/>
+                    <a:p>
+                      <a:endParaRPr lang="fr-FR" dirty="0"/>
+                    </a:p>
+                  </a:txBody>
+                  <a:tcPr/>
+                </a:tc>
+              </a:tr>
+            </a:tbl>
+          </a:graphicData>
+        </a:graphic>
+      </p:graphicFrame>
+    </p:spTree>
+    <p:extLst>
+      <p:ext uri="{BB962C8B-B14F-4D97-AF65-F5344CB8AC3E}">
+        <p14:creationId xmlns:p14="http://schemas.microsoft.com/office/powerpoint/2010/main" val="888014564"/>
+      </p:ext>
+    </p:extLst>
+  </p:cSld>
+  <p:clrMapOvr>
+    <a:masterClrMapping/>
+  </p:clrMapOvr>
 </p:sld>
 </file>
 
